--- a/slides/2 - Intro to Angular 2.pptx
+++ b/slides/2 - Intro to Angular 2.pptx
@@ -3759,6 +3759,16 @@
               <a:t>Dependency injection is still used</a:t>
             </a:r>
           </a:p>
+          <a:p>
+            <a:r>
+              <a:rPr lang="en-US" dirty="0"/>
+              <a:t>Directives </a:t>
+            </a:r>
+            <a:r>
+              <a:rPr lang="en-US"/>
+              <a:t>and components</a:t>
+            </a:r>
+          </a:p>
         </p:txBody>
       </p:sp>
     </p:spTree>

--- a/slides/2 - Intro to Angular 2.pptx
+++ b/slides/2 - Intro to Angular 2.pptx
@@ -16,7 +16,6 @@
     <p:sldId id="268" r:id="rId10"/>
     <p:sldId id="265" r:id="rId11"/>
     <p:sldId id="263" r:id="rId12"/>
-    <p:sldId id="264" r:id="rId13"/>
   </p:sldIdLst>
   <p:sldSz cx="12192000" cy="6858000"/>
   <p:notesSz cx="6858000" cy="9144000"/>
@@ -3266,58 +3265,6 @@
 </p:sld>
 </file>
 
-<file path=ppt/slides/slide12.xml><?xml version="1.0" encoding="utf-8"?>
-<p:sld xmlns:a="http://schemas.openxmlformats.org/drawingml/2006/main" xmlns:r="http://schemas.openxmlformats.org/officeDocument/2006/relationships" xmlns:p="http://schemas.openxmlformats.org/presentationml/2006/main">
-  <p:cSld>
-    <p:spTree>
-      <p:nvGrpSpPr>
-        <p:cNvPr id="1" name=""/>
-        <p:cNvGrpSpPr/>
-        <p:nvPr/>
-      </p:nvGrpSpPr>
-      <p:grpSpPr>
-        <a:xfrm>
-          <a:off x="0" y="0"/>
-          <a:ext cx="0" cy="0"/>
-          <a:chOff x="0" y="0"/>
-          <a:chExt cx="0" cy="0"/>
-        </a:xfrm>
-      </p:grpSpPr>
-      <p:sp>
-        <p:nvSpPr>
-          <p:cNvPr id="2" name="Title 1"/>
-          <p:cNvSpPr>
-            <a:spLocks noGrp="1"/>
-          </p:cNvSpPr>
-          <p:nvPr>
-            <p:ph type="title"/>
-          </p:nvPr>
-        </p:nvSpPr>
-        <p:spPr/>
-        <p:txBody>
-          <a:bodyPr/>
-          <a:lstStyle/>
-          <a:p>
-            <a:r>
-              <a:rPr lang="en-US" dirty="0"/>
-              <a:t>Demo!</a:t>
-            </a:r>
-          </a:p>
-        </p:txBody>
-      </p:sp>
-    </p:spTree>
-    <p:extLst>
-      <p:ext uri="{BB962C8B-B14F-4D97-AF65-F5344CB8AC3E}">
-        <p14:creationId xmlns:p14="http://schemas.microsoft.com/office/powerpoint/2010/main" val="1809651386"/>
-      </p:ext>
-    </p:extLst>
-  </p:cSld>
-  <p:clrMapOvr>
-    <a:masterClrMapping/>
-  </p:clrMapOvr>
-</p:sld>
-</file>
-
 <file path=ppt/slides/slide2.xml><?xml version="1.0" encoding="utf-8"?>
 <p:sld xmlns:a="http://schemas.openxmlformats.org/drawingml/2006/main" xmlns:r="http://schemas.openxmlformats.org/officeDocument/2006/relationships" xmlns:p="http://schemas.openxmlformats.org/presentationml/2006/main">
   <p:cSld>
@@ -3762,12 +3709,13 @@
           <a:p>
             <a:r>
               <a:rPr lang="en-US" dirty="0"/>
-              <a:t>Directives </a:t>
-            </a:r>
-            <a:r>
-              <a:rPr lang="en-US"/>
-              <a:t>and components</a:t>
-            </a:r>
+              <a:t>Directives and components… </a:t>
+            </a:r>
+            <a:r>
+              <a:rPr lang="en-US" dirty="0" err="1"/>
+              <a:t>kinda</a:t>
+            </a:r>
+            <a:endParaRPr lang="en-US" dirty="0"/>
           </a:p>
         </p:txBody>
       </p:sp>

--- a/slides/2 - Intro to Angular 2.pptx
+++ b/slides/2 - Intro to Angular 2.pptx
@@ -4,6 +4,9 @@
   <p:sldMasterIdLst>
     <p:sldMasterId id="2147483648" r:id="rId1"/>
   </p:sldMasterIdLst>
+  <p:notesMasterIdLst>
+    <p:notesMasterId r:id="rId12"/>
+  </p:notesMasterIdLst>
   <p:sldIdLst>
     <p:sldId id="256" r:id="rId2"/>
     <p:sldId id="257" r:id="rId3"/>
@@ -12,10 +15,9 @@
     <p:sldId id="267" r:id="rId6"/>
     <p:sldId id="261" r:id="rId7"/>
     <p:sldId id="259" r:id="rId8"/>
-    <p:sldId id="260" r:id="rId9"/>
-    <p:sldId id="268" r:id="rId10"/>
-    <p:sldId id="265" r:id="rId11"/>
-    <p:sldId id="263" r:id="rId12"/>
+    <p:sldId id="269" r:id="rId9"/>
+    <p:sldId id="265" r:id="rId10"/>
+    <p:sldId id="263" r:id="rId11"/>
   </p:sldIdLst>
   <p:sldSz cx="12192000" cy="6858000"/>
   <p:notesSz cx="6858000" cy="9144000"/>
@@ -122,6 +124,638 @@
 </p:presentation>
 </file>
 
+<file path=ppt/notesMasters/notesMaster1.xml><?xml version="1.0" encoding="utf-8"?>
+<p:notesMaster xmlns:a="http://schemas.openxmlformats.org/drawingml/2006/main" xmlns:r="http://schemas.openxmlformats.org/officeDocument/2006/relationships" xmlns:p="http://schemas.openxmlformats.org/presentationml/2006/main">
+  <p:cSld>
+    <p:bg>
+      <p:bgRef idx="1001">
+        <a:schemeClr val="bg1"/>
+      </p:bgRef>
+    </p:bg>
+    <p:spTree>
+      <p:nvGrpSpPr>
+        <p:cNvPr id="1" name=""/>
+        <p:cNvGrpSpPr/>
+        <p:nvPr/>
+      </p:nvGrpSpPr>
+      <p:grpSpPr>
+        <a:xfrm>
+          <a:off x="0" y="0"/>
+          <a:ext cx="0" cy="0"/>
+          <a:chOff x="0" y="0"/>
+          <a:chExt cx="0" cy="0"/>
+        </a:xfrm>
+      </p:grpSpPr>
+      <p:sp>
+        <p:nvSpPr>
+          <p:cNvPr id="2" name="Header Placeholder 1"/>
+          <p:cNvSpPr>
+            <a:spLocks noGrp="1"/>
+          </p:cNvSpPr>
+          <p:nvPr>
+            <p:ph type="hdr" sz="quarter"/>
+          </p:nvPr>
+        </p:nvSpPr>
+        <p:spPr>
+          <a:xfrm>
+            <a:off x="0" y="0"/>
+            <a:ext cx="2971800" cy="458788"/>
+          </a:xfrm>
+          <a:prstGeom prst="rect">
+            <a:avLst/>
+          </a:prstGeom>
+        </p:spPr>
+        <p:txBody>
+          <a:bodyPr vert="horz" lIns="91440" tIns="45720" rIns="91440" bIns="45720" rtlCol="0"/>
+          <a:lstStyle>
+            <a:lvl1pPr algn="l">
+              <a:defRPr sz="1200"/>
+            </a:lvl1pPr>
+          </a:lstStyle>
+          <a:p>
+            <a:endParaRPr lang="en-US"/>
+          </a:p>
+        </p:txBody>
+      </p:sp>
+      <p:sp>
+        <p:nvSpPr>
+          <p:cNvPr id="3" name="Date Placeholder 2"/>
+          <p:cNvSpPr>
+            <a:spLocks noGrp="1"/>
+          </p:cNvSpPr>
+          <p:nvPr>
+            <p:ph type="dt" idx="1"/>
+          </p:nvPr>
+        </p:nvSpPr>
+        <p:spPr>
+          <a:xfrm>
+            <a:off x="3884613" y="0"/>
+            <a:ext cx="2971800" cy="458788"/>
+          </a:xfrm>
+          <a:prstGeom prst="rect">
+            <a:avLst/>
+          </a:prstGeom>
+        </p:spPr>
+        <p:txBody>
+          <a:bodyPr vert="horz" lIns="91440" tIns="45720" rIns="91440" bIns="45720" rtlCol="0"/>
+          <a:lstStyle>
+            <a:lvl1pPr algn="r">
+              <a:defRPr sz="1200"/>
+            </a:lvl1pPr>
+          </a:lstStyle>
+          <a:p>
+            <a:fld id="{95A987D1-C637-4E12-9F97-1C2D7817693F}" type="datetimeFigureOut">
+              <a:rPr lang="en-US" smtClean="0"/>
+              <a:t>8/14/2016</a:t>
+            </a:fld>
+            <a:endParaRPr lang="en-US"/>
+          </a:p>
+        </p:txBody>
+      </p:sp>
+      <p:sp>
+        <p:nvSpPr>
+          <p:cNvPr id="4" name="Slide Image Placeholder 3"/>
+          <p:cNvSpPr>
+            <a:spLocks noGrp="1" noRot="1" noChangeAspect="1"/>
+          </p:cNvSpPr>
+          <p:nvPr>
+            <p:ph type="sldImg" idx="2"/>
+          </p:nvPr>
+        </p:nvSpPr>
+        <p:spPr>
+          <a:xfrm>
+            <a:off x="685800" y="1143000"/>
+            <a:ext cx="5486400" cy="3086100"/>
+          </a:xfrm>
+          <a:prstGeom prst="rect">
+            <a:avLst/>
+          </a:prstGeom>
+          <a:noFill/>
+          <a:ln w="12700">
+            <a:solidFill>
+              <a:prstClr val="black"/>
+            </a:solidFill>
+          </a:ln>
+        </p:spPr>
+        <p:txBody>
+          <a:bodyPr vert="horz" lIns="91440" tIns="45720" rIns="91440" bIns="45720" rtlCol="0" anchor="ctr"/>
+          <a:lstStyle/>
+          <a:p>
+            <a:endParaRPr lang="en-US"/>
+          </a:p>
+        </p:txBody>
+      </p:sp>
+      <p:sp>
+        <p:nvSpPr>
+          <p:cNvPr id="5" name="Notes Placeholder 4"/>
+          <p:cNvSpPr>
+            <a:spLocks noGrp="1"/>
+          </p:cNvSpPr>
+          <p:nvPr>
+            <p:ph type="body" sz="quarter" idx="3"/>
+          </p:nvPr>
+        </p:nvSpPr>
+        <p:spPr>
+          <a:xfrm>
+            <a:off x="685800" y="4400550"/>
+            <a:ext cx="5486400" cy="3600450"/>
+          </a:xfrm>
+          <a:prstGeom prst="rect">
+            <a:avLst/>
+          </a:prstGeom>
+        </p:spPr>
+        <p:txBody>
+          <a:bodyPr vert="horz" lIns="91440" tIns="45720" rIns="91440" bIns="45720" rtlCol="0"/>
+          <a:lstStyle/>
+          <a:p>
+            <a:pPr lvl="0"/>
+            <a:r>
+              <a:rPr lang="en-US"/>
+              <a:t>Edit Master text styles</a:t>
+            </a:r>
+          </a:p>
+          <a:p>
+            <a:pPr lvl="1"/>
+            <a:r>
+              <a:rPr lang="en-US"/>
+              <a:t>Second level</a:t>
+            </a:r>
+          </a:p>
+          <a:p>
+            <a:pPr lvl="2"/>
+            <a:r>
+              <a:rPr lang="en-US"/>
+              <a:t>Third level</a:t>
+            </a:r>
+          </a:p>
+          <a:p>
+            <a:pPr lvl="3"/>
+            <a:r>
+              <a:rPr lang="en-US"/>
+              <a:t>Fourth level</a:t>
+            </a:r>
+          </a:p>
+          <a:p>
+            <a:pPr lvl="4"/>
+            <a:r>
+              <a:rPr lang="en-US"/>
+              <a:t>Fifth level</a:t>
+            </a:r>
+            <a:endParaRPr lang="en-US"/>
+          </a:p>
+        </p:txBody>
+      </p:sp>
+      <p:sp>
+        <p:nvSpPr>
+          <p:cNvPr id="6" name="Footer Placeholder 5"/>
+          <p:cNvSpPr>
+            <a:spLocks noGrp="1"/>
+          </p:cNvSpPr>
+          <p:nvPr>
+            <p:ph type="ftr" sz="quarter" idx="4"/>
+          </p:nvPr>
+        </p:nvSpPr>
+        <p:spPr>
+          <a:xfrm>
+            <a:off x="0" y="8685213"/>
+            <a:ext cx="2971800" cy="458787"/>
+          </a:xfrm>
+          <a:prstGeom prst="rect">
+            <a:avLst/>
+          </a:prstGeom>
+        </p:spPr>
+        <p:txBody>
+          <a:bodyPr vert="horz" lIns="91440" tIns="45720" rIns="91440" bIns="45720" rtlCol="0" anchor="b"/>
+          <a:lstStyle>
+            <a:lvl1pPr algn="l">
+              <a:defRPr sz="1200"/>
+            </a:lvl1pPr>
+          </a:lstStyle>
+          <a:p>
+            <a:endParaRPr lang="en-US"/>
+          </a:p>
+        </p:txBody>
+      </p:sp>
+      <p:sp>
+        <p:nvSpPr>
+          <p:cNvPr id="7" name="Slide Number Placeholder 6"/>
+          <p:cNvSpPr>
+            <a:spLocks noGrp="1"/>
+          </p:cNvSpPr>
+          <p:nvPr>
+            <p:ph type="sldNum" sz="quarter" idx="5"/>
+          </p:nvPr>
+        </p:nvSpPr>
+        <p:spPr>
+          <a:xfrm>
+            <a:off x="3884613" y="8685213"/>
+            <a:ext cx="2971800" cy="458787"/>
+          </a:xfrm>
+          <a:prstGeom prst="rect">
+            <a:avLst/>
+          </a:prstGeom>
+        </p:spPr>
+        <p:txBody>
+          <a:bodyPr vert="horz" lIns="91440" tIns="45720" rIns="91440" bIns="45720" rtlCol="0" anchor="b"/>
+          <a:lstStyle>
+            <a:lvl1pPr algn="r">
+              <a:defRPr sz="1200"/>
+            </a:lvl1pPr>
+          </a:lstStyle>
+          <a:p>
+            <a:fld id="{9F44E494-044E-48C0-A329-214F5FBFD5F5}" type="slidenum">
+              <a:rPr lang="en-US" smtClean="0"/>
+              <a:t>‹#›</a:t>
+            </a:fld>
+            <a:endParaRPr lang="en-US"/>
+          </a:p>
+        </p:txBody>
+      </p:sp>
+    </p:spTree>
+    <p:extLst>
+      <p:ext uri="{BB962C8B-B14F-4D97-AF65-F5344CB8AC3E}">
+        <p14:creationId xmlns:p14="http://schemas.microsoft.com/office/powerpoint/2010/main" val="11202307"/>
+      </p:ext>
+    </p:extLst>
+  </p:cSld>
+  <p:clrMap bg1="lt1" tx1="dk1" bg2="lt2" tx2="dk2" accent1="accent1" accent2="accent2" accent3="accent3" accent4="accent4" accent5="accent5" accent6="accent6" hlink="hlink" folHlink="folHlink"/>
+  <p:notesStyle>
+    <a:lvl1pPr marL="0" algn="l" defTabSz="914400" rtl="0" eaLnBrk="1" latinLnBrk="0" hangingPunct="1">
+      <a:defRPr sz="1200" kern="1200">
+        <a:solidFill>
+          <a:schemeClr val="tx1"/>
+        </a:solidFill>
+        <a:latin typeface="+mn-lt"/>
+        <a:ea typeface="+mn-ea"/>
+        <a:cs typeface="+mn-cs"/>
+      </a:defRPr>
+    </a:lvl1pPr>
+    <a:lvl2pPr marL="457200" algn="l" defTabSz="914400" rtl="0" eaLnBrk="1" latinLnBrk="0" hangingPunct="1">
+      <a:defRPr sz="1200" kern="1200">
+        <a:solidFill>
+          <a:schemeClr val="tx1"/>
+        </a:solidFill>
+        <a:latin typeface="+mn-lt"/>
+        <a:ea typeface="+mn-ea"/>
+        <a:cs typeface="+mn-cs"/>
+      </a:defRPr>
+    </a:lvl2pPr>
+    <a:lvl3pPr marL="914400" algn="l" defTabSz="914400" rtl="0" eaLnBrk="1" latinLnBrk="0" hangingPunct="1">
+      <a:defRPr sz="1200" kern="1200">
+        <a:solidFill>
+          <a:schemeClr val="tx1"/>
+        </a:solidFill>
+        <a:latin typeface="+mn-lt"/>
+        <a:ea typeface="+mn-ea"/>
+        <a:cs typeface="+mn-cs"/>
+      </a:defRPr>
+    </a:lvl3pPr>
+    <a:lvl4pPr marL="1371600" algn="l" defTabSz="914400" rtl="0" eaLnBrk="1" latinLnBrk="0" hangingPunct="1">
+      <a:defRPr sz="1200" kern="1200">
+        <a:solidFill>
+          <a:schemeClr val="tx1"/>
+        </a:solidFill>
+        <a:latin typeface="+mn-lt"/>
+        <a:ea typeface="+mn-ea"/>
+        <a:cs typeface="+mn-cs"/>
+      </a:defRPr>
+    </a:lvl4pPr>
+    <a:lvl5pPr marL="1828800" algn="l" defTabSz="914400" rtl="0" eaLnBrk="1" latinLnBrk="0" hangingPunct="1">
+      <a:defRPr sz="1200" kern="1200">
+        <a:solidFill>
+          <a:schemeClr val="tx1"/>
+        </a:solidFill>
+        <a:latin typeface="+mn-lt"/>
+        <a:ea typeface="+mn-ea"/>
+        <a:cs typeface="+mn-cs"/>
+      </a:defRPr>
+    </a:lvl5pPr>
+    <a:lvl6pPr marL="2286000" algn="l" defTabSz="914400" rtl="0" eaLnBrk="1" latinLnBrk="0" hangingPunct="1">
+      <a:defRPr sz="1200" kern="1200">
+        <a:solidFill>
+          <a:schemeClr val="tx1"/>
+        </a:solidFill>
+        <a:latin typeface="+mn-lt"/>
+        <a:ea typeface="+mn-ea"/>
+        <a:cs typeface="+mn-cs"/>
+      </a:defRPr>
+    </a:lvl6pPr>
+    <a:lvl7pPr marL="2743200" algn="l" defTabSz="914400" rtl="0" eaLnBrk="1" latinLnBrk="0" hangingPunct="1">
+      <a:defRPr sz="1200" kern="1200">
+        <a:solidFill>
+          <a:schemeClr val="tx1"/>
+        </a:solidFill>
+        <a:latin typeface="+mn-lt"/>
+        <a:ea typeface="+mn-ea"/>
+        <a:cs typeface="+mn-cs"/>
+      </a:defRPr>
+    </a:lvl7pPr>
+    <a:lvl8pPr marL="3200400" algn="l" defTabSz="914400" rtl="0" eaLnBrk="1" latinLnBrk="0" hangingPunct="1">
+      <a:defRPr sz="1200" kern="1200">
+        <a:solidFill>
+          <a:schemeClr val="tx1"/>
+        </a:solidFill>
+        <a:latin typeface="+mn-lt"/>
+        <a:ea typeface="+mn-ea"/>
+        <a:cs typeface="+mn-cs"/>
+      </a:defRPr>
+    </a:lvl8pPr>
+    <a:lvl9pPr marL="3657600" algn="l" defTabSz="914400" rtl="0" eaLnBrk="1" latinLnBrk="0" hangingPunct="1">
+      <a:defRPr sz="1200" kern="1200">
+        <a:solidFill>
+          <a:schemeClr val="tx1"/>
+        </a:solidFill>
+        <a:latin typeface="+mn-lt"/>
+        <a:ea typeface="+mn-ea"/>
+        <a:cs typeface="+mn-cs"/>
+      </a:defRPr>
+    </a:lvl9pPr>
+  </p:notesStyle>
+</p:notesMaster>
+</file>
+
+<file path=ppt/notesSlides/notesSlide1.xml><?xml version="1.0" encoding="utf-8"?>
+<p:notes xmlns:a="http://schemas.openxmlformats.org/drawingml/2006/main" xmlns:r="http://schemas.openxmlformats.org/officeDocument/2006/relationships" xmlns:p="http://schemas.openxmlformats.org/presentationml/2006/main">
+  <p:cSld>
+    <p:spTree>
+      <p:nvGrpSpPr>
+        <p:cNvPr id="1" name=""/>
+        <p:cNvGrpSpPr/>
+        <p:nvPr/>
+      </p:nvGrpSpPr>
+      <p:grpSpPr>
+        <a:xfrm>
+          <a:off x="0" y="0"/>
+          <a:ext cx="0" cy="0"/>
+          <a:chOff x="0" y="0"/>
+          <a:chExt cx="0" cy="0"/>
+        </a:xfrm>
+      </p:grpSpPr>
+      <p:sp>
+        <p:nvSpPr>
+          <p:cNvPr id="2" name="Slide Image Placeholder 1"/>
+          <p:cNvSpPr>
+            <a:spLocks noGrp="1" noRot="1" noChangeAspect="1"/>
+          </p:cNvSpPr>
+          <p:nvPr>
+            <p:ph type="sldImg"/>
+          </p:nvPr>
+        </p:nvSpPr>
+        <p:spPr/>
+      </p:sp>
+      <p:sp>
+        <p:nvSpPr>
+          <p:cNvPr id="3" name="Notes Placeholder 2"/>
+          <p:cNvSpPr>
+            <a:spLocks noGrp="1"/>
+          </p:cNvSpPr>
+          <p:nvPr>
+            <p:ph type="body" idx="1"/>
+          </p:nvPr>
+        </p:nvSpPr>
+        <p:spPr/>
+        <p:txBody>
+          <a:bodyPr/>
+          <a:lstStyle/>
+          <a:p>
+            <a:r>
+              <a:rPr lang="en-US" dirty="0"/>
+              <a:t>Components are directives with a template</a:t>
+            </a:r>
+          </a:p>
+          <a:p>
+            <a:r>
+              <a:rPr lang="en-US" dirty="0"/>
+              <a:t>Angular 2 apps are built with components</a:t>
+            </a:r>
+          </a:p>
+          <a:p>
+            <a:r>
+              <a:rPr lang="en-US" dirty="0"/>
+              <a:t>In </a:t>
+            </a:r>
+            <a:r>
+              <a:rPr lang="en-US" dirty="0" err="1"/>
+              <a:t>TypeScript</a:t>
+            </a:r>
+            <a:r>
+              <a:rPr lang="en-US" dirty="0"/>
+              <a:t>, they’re just classes with the Component decorator</a:t>
+            </a:r>
+          </a:p>
+          <a:p>
+            <a:r>
+              <a:rPr lang="en-US" dirty="0"/>
+              <a:t>No more </a:t>
+            </a:r>
+            <a:r>
+              <a:rPr lang="en-US" dirty="0">
+                <a:latin typeface="Consolas" panose="020B0609020204030204" pitchFamily="49" charset="0"/>
+              </a:rPr>
+              <a:t>$scope</a:t>
+            </a:r>
+            <a:r>
+              <a:rPr lang="en-US" dirty="0"/>
+              <a:t>, no more </a:t>
+            </a:r>
+            <a:r>
+              <a:rPr lang="en-US" dirty="0">
+                <a:latin typeface="Consolas" panose="020B0609020204030204" pitchFamily="49" charset="0"/>
+              </a:rPr>
+              <a:t>controller</a:t>
+            </a:r>
+          </a:p>
+          <a:p>
+            <a:r>
+              <a:rPr lang="en-US" dirty="0"/>
+              <a:t>Component scope is much easier to understand</a:t>
+            </a:r>
+          </a:p>
+          <a:p>
+            <a:pPr lvl="1"/>
+            <a:r>
+              <a:rPr lang="en-US" dirty="0"/>
+              <a:t>No more </a:t>
+            </a:r>
+            <a:r>
+              <a:rPr lang="en-US" dirty="0" err="1"/>
+              <a:t>transclusion</a:t>
+            </a:r>
+            <a:r>
+              <a:rPr lang="en-US" dirty="0"/>
+              <a:t>, isolate scope, etc.</a:t>
+            </a:r>
+          </a:p>
+          <a:p>
+            <a:pPr lvl="1"/>
+            <a:r>
+              <a:rPr lang="en-US" dirty="0"/>
+              <a:t>Functions/properties are bound directly from component</a:t>
+            </a:r>
+          </a:p>
+          <a:p>
+            <a:r>
+              <a:rPr lang="en-US" dirty="0"/>
+              <a:t>Encapsulated</a:t>
+            </a:r>
+          </a:p>
+          <a:p>
+            <a:pPr lvl="1"/>
+            <a:r>
+              <a:rPr lang="en-US" dirty="0"/>
+              <a:t>Example: styling applied directly to component isn’t exposed out</a:t>
+            </a:r>
+          </a:p>
+          <a:p>
+            <a:endParaRPr lang="en-US" dirty="0"/>
+          </a:p>
+          <a:p>
+            <a:r>
+              <a:rPr lang="en-US" dirty="0"/>
+              <a:t>Go over how to declare</a:t>
+            </a:r>
+            <a:r>
+              <a:rPr lang="en-US" baseline="0" dirty="0"/>
+              <a:t> it (import, class, decorate)</a:t>
+            </a:r>
+            <a:endParaRPr lang="en-US" dirty="0"/>
+          </a:p>
+        </p:txBody>
+      </p:sp>
+      <p:sp>
+        <p:nvSpPr>
+          <p:cNvPr id="4" name="Slide Number Placeholder 3"/>
+          <p:cNvSpPr>
+            <a:spLocks noGrp="1"/>
+          </p:cNvSpPr>
+          <p:nvPr>
+            <p:ph type="sldNum" sz="quarter" idx="10"/>
+          </p:nvPr>
+        </p:nvSpPr>
+        <p:spPr/>
+        <p:txBody>
+          <a:bodyPr/>
+          <a:lstStyle/>
+          <a:p>
+            <a:fld id="{9F44E494-044E-48C0-A329-214F5FBFD5F5}" type="slidenum">
+              <a:rPr lang="en-US" smtClean="0"/>
+              <a:t>7</a:t>
+            </a:fld>
+            <a:endParaRPr lang="en-US"/>
+          </a:p>
+        </p:txBody>
+      </p:sp>
+    </p:spTree>
+    <p:extLst>
+      <p:ext uri="{BB962C8B-B14F-4D97-AF65-F5344CB8AC3E}">
+        <p14:creationId xmlns:p14="http://schemas.microsoft.com/office/powerpoint/2010/main" val="3265415541"/>
+      </p:ext>
+    </p:extLst>
+  </p:cSld>
+  <p:clrMapOvr>
+    <a:masterClrMapping/>
+  </p:clrMapOvr>
+</p:notes>
+</file>
+
+<file path=ppt/notesSlides/notesSlide2.xml><?xml version="1.0" encoding="utf-8"?>
+<p:notes xmlns:a="http://schemas.openxmlformats.org/drawingml/2006/main" xmlns:r="http://schemas.openxmlformats.org/officeDocument/2006/relationships" xmlns:p="http://schemas.openxmlformats.org/presentationml/2006/main">
+  <p:cSld>
+    <p:spTree>
+      <p:nvGrpSpPr>
+        <p:cNvPr id="1" name=""/>
+        <p:cNvGrpSpPr/>
+        <p:nvPr/>
+      </p:nvGrpSpPr>
+      <p:grpSpPr>
+        <a:xfrm>
+          <a:off x="0" y="0"/>
+          <a:ext cx="0" cy="0"/>
+          <a:chOff x="0" y="0"/>
+          <a:chExt cx="0" cy="0"/>
+        </a:xfrm>
+      </p:grpSpPr>
+      <p:sp>
+        <p:nvSpPr>
+          <p:cNvPr id="2" name="Slide Image Placeholder 1"/>
+          <p:cNvSpPr>
+            <a:spLocks noGrp="1" noRot="1" noChangeAspect="1"/>
+          </p:cNvSpPr>
+          <p:nvPr>
+            <p:ph type="sldImg"/>
+          </p:nvPr>
+        </p:nvSpPr>
+        <p:spPr/>
+      </p:sp>
+      <p:sp>
+        <p:nvSpPr>
+          <p:cNvPr id="3" name="Notes Placeholder 2"/>
+          <p:cNvSpPr>
+            <a:spLocks noGrp="1"/>
+          </p:cNvSpPr>
+          <p:nvPr>
+            <p:ph type="body" idx="1"/>
+          </p:nvPr>
+        </p:nvSpPr>
+        <p:spPr/>
+        <p:txBody>
+          <a:bodyPr/>
+          <a:lstStyle/>
+          <a:p>
+            <a:r>
+              <a:rPr lang="en-US" dirty="0"/>
+              <a:t>Angular</a:t>
+            </a:r>
+            <a:r>
+              <a:rPr lang="en-US" baseline="0" dirty="0"/>
+              <a:t> 2’s organizational unit</a:t>
+            </a:r>
+          </a:p>
+          <a:p>
+            <a:r>
+              <a:rPr lang="en-US" baseline="0" dirty="0"/>
+              <a:t>Contains services, directives, pipes and </a:t>
+            </a:r>
+            <a:endParaRPr lang="en-US" dirty="0"/>
+          </a:p>
+        </p:txBody>
+      </p:sp>
+      <p:sp>
+        <p:nvSpPr>
+          <p:cNvPr id="4" name="Slide Number Placeholder 3"/>
+          <p:cNvSpPr>
+            <a:spLocks noGrp="1"/>
+          </p:cNvSpPr>
+          <p:nvPr>
+            <p:ph type="sldNum" sz="quarter" idx="10"/>
+          </p:nvPr>
+        </p:nvSpPr>
+        <p:spPr/>
+        <p:txBody>
+          <a:bodyPr/>
+          <a:lstStyle/>
+          <a:p>
+            <a:fld id="{9F44E494-044E-48C0-A329-214F5FBFD5F5}" type="slidenum">
+              <a:rPr lang="en-US" smtClean="0"/>
+              <a:t>8</a:t>
+            </a:fld>
+            <a:endParaRPr lang="en-US"/>
+          </a:p>
+        </p:txBody>
+      </p:sp>
+    </p:spTree>
+    <p:extLst>
+      <p:ext uri="{BB962C8B-B14F-4D97-AF65-F5344CB8AC3E}">
+        <p14:creationId xmlns:p14="http://schemas.microsoft.com/office/powerpoint/2010/main" val="1964123314"/>
+      </p:ext>
+    </p:extLst>
+  </p:cSld>
+  <p:clrMapOvr>
+    <a:masterClrMapping/>
+  </p:clrMapOvr>
+</p:notes>
+</file>
+
 <file path=ppt/slideLayouts/slideLayout1.xml><?xml version="1.0" encoding="utf-8"?>
 <p:sldLayout xmlns:a="http://schemas.openxmlformats.org/drawingml/2006/main" xmlns:r="http://schemas.openxmlformats.org/officeDocument/2006/relationships" xmlns:p="http://schemas.openxmlformats.org/presentationml/2006/main" type="title" preserve="1">
   <p:cSld name="Title Slide">
@@ -251,7 +885,7 @@
           <a:p>
             <a:fld id="{0D349CB3-6673-4613-99A0-A257C5E0AB60}" type="datetimeFigureOut">
               <a:rPr lang="en-US" smtClean="0"/>
-              <a:t>5/17/2016</a:t>
+              <a:t>8/14/2016</a:t>
             </a:fld>
             <a:endParaRPr lang="en-US"/>
           </a:p>
@@ -419,7 +1053,7 @@
           <a:p>
             <a:fld id="{0D349CB3-6673-4613-99A0-A257C5E0AB60}" type="datetimeFigureOut">
               <a:rPr lang="en-US" smtClean="0"/>
-              <a:t>5/17/2016</a:t>
+              <a:t>8/14/2016</a:t>
             </a:fld>
             <a:endParaRPr lang="en-US"/>
           </a:p>
@@ -597,7 +1231,7 @@
           <a:p>
             <a:fld id="{0D349CB3-6673-4613-99A0-A257C5E0AB60}" type="datetimeFigureOut">
               <a:rPr lang="en-US" smtClean="0"/>
-              <a:t>5/17/2016</a:t>
+              <a:t>8/14/2016</a:t>
             </a:fld>
             <a:endParaRPr lang="en-US"/>
           </a:p>
@@ -765,7 +1399,7 @@
           <a:p>
             <a:fld id="{0D349CB3-6673-4613-99A0-A257C5E0AB60}" type="datetimeFigureOut">
               <a:rPr lang="en-US" smtClean="0"/>
-              <a:t>5/17/2016</a:t>
+              <a:t>8/14/2016</a:t>
             </a:fld>
             <a:endParaRPr lang="en-US"/>
           </a:p>
@@ -1010,7 +1644,7 @@
           <a:p>
             <a:fld id="{0D349CB3-6673-4613-99A0-A257C5E0AB60}" type="datetimeFigureOut">
               <a:rPr lang="en-US" smtClean="0"/>
-              <a:t>5/17/2016</a:t>
+              <a:t>8/14/2016</a:t>
             </a:fld>
             <a:endParaRPr lang="en-US"/>
           </a:p>
@@ -1239,7 +1873,7 @@
           <a:p>
             <a:fld id="{0D349CB3-6673-4613-99A0-A257C5E0AB60}" type="datetimeFigureOut">
               <a:rPr lang="en-US" smtClean="0"/>
-              <a:t>5/17/2016</a:t>
+              <a:t>8/14/2016</a:t>
             </a:fld>
             <a:endParaRPr lang="en-US"/>
           </a:p>
@@ -1603,7 +2237,7 @@
           <a:p>
             <a:fld id="{0D349CB3-6673-4613-99A0-A257C5E0AB60}" type="datetimeFigureOut">
               <a:rPr lang="en-US" smtClean="0"/>
-              <a:t>5/17/2016</a:t>
+              <a:t>8/14/2016</a:t>
             </a:fld>
             <a:endParaRPr lang="en-US"/>
           </a:p>
@@ -1720,7 +2354,7 @@
           <a:p>
             <a:fld id="{0D349CB3-6673-4613-99A0-A257C5E0AB60}" type="datetimeFigureOut">
               <a:rPr lang="en-US" smtClean="0"/>
-              <a:t>5/17/2016</a:t>
+              <a:t>8/14/2016</a:t>
             </a:fld>
             <a:endParaRPr lang="en-US"/>
           </a:p>
@@ -1815,7 +2449,7 @@
           <a:p>
             <a:fld id="{0D349CB3-6673-4613-99A0-A257C5E0AB60}" type="datetimeFigureOut">
               <a:rPr lang="en-US" smtClean="0"/>
-              <a:t>5/17/2016</a:t>
+              <a:t>8/14/2016</a:t>
             </a:fld>
             <a:endParaRPr lang="en-US"/>
           </a:p>
@@ -2090,7 +2724,7 @@
           <a:p>
             <a:fld id="{0D349CB3-6673-4613-99A0-A257C5E0AB60}" type="datetimeFigureOut">
               <a:rPr lang="en-US" smtClean="0"/>
-              <a:t>5/17/2016</a:t>
+              <a:t>8/14/2016</a:t>
             </a:fld>
             <a:endParaRPr lang="en-US"/>
           </a:p>
@@ -2342,7 +2976,7 @@
           <a:p>
             <a:fld id="{0D349CB3-6673-4613-99A0-A257C5E0AB60}" type="datetimeFigureOut">
               <a:rPr lang="en-US" smtClean="0"/>
-              <a:t>5/17/2016</a:t>
+              <a:t>8/14/2016</a:t>
             </a:fld>
             <a:endParaRPr lang="en-US"/>
           </a:p>
@@ -2553,7 +3187,7 @@
           <a:p>
             <a:fld id="{0D349CB3-6673-4613-99A0-A257C5E0AB60}" type="datetimeFigureOut">
               <a:rPr lang="en-US" smtClean="0"/>
-              <a:t>5/17/2016</a:t>
+              <a:t>8/14/2016</a:t>
             </a:fld>
             <a:endParaRPr lang="en-US"/>
           </a:p>
@@ -3049,122 +3683,6 @@
           <a:p>
             <a:r>
               <a:rPr lang="en-US" dirty="0"/>
-              <a:t>Running your app</a:t>
-            </a:r>
-          </a:p>
-        </p:txBody>
-      </p:sp>
-      <p:sp>
-        <p:nvSpPr>
-          <p:cNvPr id="3" name="Content Placeholder 2"/>
-          <p:cNvSpPr>
-            <a:spLocks noGrp="1"/>
-          </p:cNvSpPr>
-          <p:nvPr>
-            <p:ph idx="1"/>
-          </p:nvPr>
-        </p:nvSpPr>
-        <p:spPr/>
-        <p:txBody>
-          <a:bodyPr/>
-          <a:lstStyle/>
-          <a:p>
-            <a:r>
-              <a:rPr lang="en-US" dirty="0"/>
-              <a:t>Choose your base component – this is your app host</a:t>
-            </a:r>
-          </a:p>
-          <a:p>
-            <a:r>
-              <a:rPr lang="en-US" dirty="0"/>
-              <a:t>Add it to your index.html page</a:t>
-            </a:r>
-          </a:p>
-          <a:p>
-            <a:r>
-              <a:rPr lang="en-US" dirty="0"/>
-              <a:t>Bootstrap it!</a:t>
-            </a:r>
-          </a:p>
-          <a:p>
-            <a:endParaRPr lang="en-US" dirty="0"/>
-          </a:p>
-          <a:p>
-            <a:endParaRPr lang="en-US" dirty="0"/>
-          </a:p>
-        </p:txBody>
-      </p:sp>
-      <p:pic>
-        <p:nvPicPr>
-          <p:cNvPr id="4" name="Picture 3"/>
-          <p:cNvPicPr>
-            <a:picLocks noChangeAspect="1"/>
-          </p:cNvPicPr>
-          <p:nvPr/>
-        </p:nvPicPr>
-        <p:blipFill>
-          <a:blip r:embed="rId2"/>
-          <a:stretch>
-            <a:fillRect/>
-          </a:stretch>
-        </p:blipFill>
-        <p:spPr>
-          <a:xfrm>
-            <a:off x="1177892" y="4001294"/>
-            <a:ext cx="9686925" cy="1581150"/>
-          </a:xfrm>
-          <a:prstGeom prst="rect">
-            <a:avLst/>
-          </a:prstGeom>
-        </p:spPr>
-      </p:pic>
-    </p:spTree>
-    <p:extLst>
-      <p:ext uri="{BB962C8B-B14F-4D97-AF65-F5344CB8AC3E}">
-        <p14:creationId xmlns:p14="http://schemas.microsoft.com/office/powerpoint/2010/main" val="1868196456"/>
-      </p:ext>
-    </p:extLst>
-  </p:cSld>
-  <p:clrMapOvr>
-    <a:masterClrMapping/>
-  </p:clrMapOvr>
-</p:sld>
-</file>
-
-<file path=ppt/slides/slide11.xml><?xml version="1.0" encoding="utf-8"?>
-<p:sld xmlns:a="http://schemas.openxmlformats.org/drawingml/2006/main" xmlns:r="http://schemas.openxmlformats.org/officeDocument/2006/relationships" xmlns:p="http://schemas.openxmlformats.org/presentationml/2006/main">
-  <p:cSld>
-    <p:spTree>
-      <p:nvGrpSpPr>
-        <p:cNvPr id="1" name=""/>
-        <p:cNvGrpSpPr/>
-        <p:nvPr/>
-      </p:nvGrpSpPr>
-      <p:grpSpPr>
-        <a:xfrm>
-          <a:off x="0" y="0"/>
-          <a:ext cx="0" cy="0"/>
-          <a:chOff x="0" y="0"/>
-          <a:chExt cx="0" cy="0"/>
-        </a:xfrm>
-      </p:grpSpPr>
-      <p:sp>
-        <p:nvSpPr>
-          <p:cNvPr id="2" name="Title 1"/>
-          <p:cNvSpPr>
-            <a:spLocks noGrp="1"/>
-          </p:cNvSpPr>
-          <p:nvPr>
-            <p:ph type="title"/>
-          </p:nvPr>
-        </p:nvSpPr>
-        <p:spPr/>
-        <p:txBody>
-          <a:bodyPr/>
-          <a:lstStyle/>
-          <a:p>
-            <a:r>
-              <a:rPr lang="en-US" dirty="0"/>
               <a:t>Steps to setting up your app</a:t>
             </a:r>
           </a:p>
@@ -3191,7 +3709,7 @@
             </a:pPr>
             <a:r>
               <a:rPr lang="en-US" dirty="0"/>
-              <a:t>Write your component</a:t>
+              <a:t>Write your module</a:t>
             </a:r>
           </a:p>
           <a:p>
@@ -3201,7 +3719,7 @@
             </a:pPr>
             <a:r>
               <a:rPr lang="en-US" dirty="0"/>
-              <a:t>Write your “main” method</a:t>
+              <a:t>Write your component</a:t>
             </a:r>
           </a:p>
           <a:p>
@@ -3211,8 +3729,13 @@
             </a:pPr>
             <a:r>
               <a:rPr lang="en-US" dirty="0"/>
-              <a:t>Write your container (index.html)</a:t>
-            </a:r>
+              <a:t>Write “main</a:t>
+            </a:r>
+            <a:r>
+              <a:rPr lang="en-US"/>
+              <a:t>” method</a:t>
+            </a:r>
+            <a:endParaRPr lang="en-US" dirty="0"/>
           </a:p>
           <a:p>
             <a:pPr marL="514350" indent="-514350">
@@ -3552,23 +4075,6 @@
             </a:r>
           </a:p>
           <a:p>
-            <a:pPr lvl="1"/>
-            <a:r>
-              <a:rPr lang="en-US" dirty="0"/>
-              <a:t>No more </a:t>
-            </a:r>
-            <a:r>
-              <a:rPr lang="en-US" dirty="0">
-                <a:latin typeface="Consolas" panose="020B0609020204030204" pitchFamily="49" charset="0"/>
-              </a:rPr>
-              <a:t>$scope</a:t>
-            </a:r>
-            <a:r>
-              <a:rPr lang="en-US" dirty="0"/>
-              <a:t>!  Yay!</a:t>
-            </a:r>
-          </a:p>
-          <a:p>
             <a:r>
               <a:rPr lang="en-US" dirty="0"/>
               <a:t>Digest loop to unidirectional data flow</a:t>
@@ -3624,6 +4130,395 @@
   <p:clrMapOvr>
     <a:masterClrMapping/>
   </p:clrMapOvr>
+  <p:timing>
+    <p:tnLst>
+      <p:par>
+        <p:cTn id="1" dur="indefinite" restart="never" nodeType="tmRoot">
+          <p:childTnLst>
+            <p:seq concurrent="1" nextAc="seek">
+              <p:cTn id="2" dur="indefinite" nodeType="mainSeq">
+                <p:childTnLst>
+                  <p:par>
+                    <p:cTn id="3" fill="hold">
+                      <p:stCondLst>
+                        <p:cond delay="indefinite"/>
+                      </p:stCondLst>
+                      <p:childTnLst>
+                        <p:par>
+                          <p:cTn id="4" fill="hold">
+                            <p:stCondLst>
+                              <p:cond delay="0"/>
+                            </p:stCondLst>
+                            <p:childTnLst>
+                              <p:par>
+                                <p:cTn id="5" presetID="1" presetClass="entr" presetSubtype="0" fill="hold" grpId="0" nodeType="clickEffect">
+                                  <p:stCondLst>
+                                    <p:cond delay="0"/>
+                                  </p:stCondLst>
+                                  <p:childTnLst>
+                                    <p:set>
+                                      <p:cBhvr>
+                                        <p:cTn id="6" dur="1" fill="hold">
+                                          <p:stCondLst>
+                                            <p:cond delay="0"/>
+                                          </p:stCondLst>
+                                        </p:cTn>
+                                        <p:tgtEl>
+                                          <p:spTgt spid="3">
+                                            <p:txEl>
+                                              <p:pRg st="0" end="0"/>
+                                            </p:txEl>
+                                          </p:spTgt>
+                                        </p:tgtEl>
+                                        <p:attrNameLst>
+                                          <p:attrName>style.visibility</p:attrName>
+                                        </p:attrNameLst>
+                                      </p:cBhvr>
+                                      <p:to>
+                                        <p:strVal val="visible"/>
+                                      </p:to>
+                                    </p:set>
+                                  </p:childTnLst>
+                                </p:cTn>
+                              </p:par>
+                            </p:childTnLst>
+                          </p:cTn>
+                        </p:par>
+                      </p:childTnLst>
+                    </p:cTn>
+                  </p:par>
+                  <p:par>
+                    <p:cTn id="7" fill="hold">
+                      <p:stCondLst>
+                        <p:cond delay="indefinite"/>
+                      </p:stCondLst>
+                      <p:childTnLst>
+                        <p:par>
+                          <p:cTn id="8" fill="hold">
+                            <p:stCondLst>
+                              <p:cond delay="0"/>
+                            </p:stCondLst>
+                            <p:childTnLst>
+                              <p:par>
+                                <p:cTn id="9" presetID="1" presetClass="entr" presetSubtype="0" fill="hold" grpId="0" nodeType="clickEffect">
+                                  <p:stCondLst>
+                                    <p:cond delay="0"/>
+                                  </p:stCondLst>
+                                  <p:childTnLst>
+                                    <p:set>
+                                      <p:cBhvr>
+                                        <p:cTn id="10" dur="1" fill="hold">
+                                          <p:stCondLst>
+                                            <p:cond delay="0"/>
+                                          </p:stCondLst>
+                                        </p:cTn>
+                                        <p:tgtEl>
+                                          <p:spTgt spid="3">
+                                            <p:txEl>
+                                              <p:pRg st="1" end="1"/>
+                                            </p:txEl>
+                                          </p:spTgt>
+                                        </p:tgtEl>
+                                        <p:attrNameLst>
+                                          <p:attrName>style.visibility</p:attrName>
+                                        </p:attrNameLst>
+                                      </p:cBhvr>
+                                      <p:to>
+                                        <p:strVal val="visible"/>
+                                      </p:to>
+                                    </p:set>
+                                  </p:childTnLst>
+                                </p:cTn>
+                              </p:par>
+                            </p:childTnLst>
+                          </p:cTn>
+                        </p:par>
+                      </p:childTnLst>
+                    </p:cTn>
+                  </p:par>
+                  <p:par>
+                    <p:cTn id="11" fill="hold">
+                      <p:stCondLst>
+                        <p:cond delay="indefinite"/>
+                      </p:stCondLst>
+                      <p:childTnLst>
+                        <p:par>
+                          <p:cTn id="12" fill="hold">
+                            <p:stCondLst>
+                              <p:cond delay="0"/>
+                            </p:stCondLst>
+                            <p:childTnLst>
+                              <p:par>
+                                <p:cTn id="13" presetID="1" presetClass="entr" presetSubtype="0" fill="hold" grpId="0" nodeType="clickEffect">
+                                  <p:stCondLst>
+                                    <p:cond delay="0"/>
+                                  </p:stCondLst>
+                                  <p:childTnLst>
+                                    <p:set>
+                                      <p:cBhvr>
+                                        <p:cTn id="14" dur="1" fill="hold">
+                                          <p:stCondLst>
+                                            <p:cond delay="0"/>
+                                          </p:stCondLst>
+                                        </p:cTn>
+                                        <p:tgtEl>
+                                          <p:spTgt spid="3">
+                                            <p:txEl>
+                                              <p:pRg st="2" end="2"/>
+                                            </p:txEl>
+                                          </p:spTgt>
+                                        </p:tgtEl>
+                                        <p:attrNameLst>
+                                          <p:attrName>style.visibility</p:attrName>
+                                        </p:attrNameLst>
+                                      </p:cBhvr>
+                                      <p:to>
+                                        <p:strVal val="visible"/>
+                                      </p:to>
+                                    </p:set>
+                                  </p:childTnLst>
+                                </p:cTn>
+                              </p:par>
+                            </p:childTnLst>
+                          </p:cTn>
+                        </p:par>
+                      </p:childTnLst>
+                    </p:cTn>
+                  </p:par>
+                  <p:par>
+                    <p:cTn id="15" fill="hold">
+                      <p:stCondLst>
+                        <p:cond delay="indefinite"/>
+                      </p:stCondLst>
+                      <p:childTnLst>
+                        <p:par>
+                          <p:cTn id="16" fill="hold">
+                            <p:stCondLst>
+                              <p:cond delay="0"/>
+                            </p:stCondLst>
+                            <p:childTnLst>
+                              <p:par>
+                                <p:cTn id="17" presetID="1" presetClass="entr" presetSubtype="0" fill="hold" grpId="0" nodeType="clickEffect">
+                                  <p:stCondLst>
+                                    <p:cond delay="0"/>
+                                  </p:stCondLst>
+                                  <p:childTnLst>
+                                    <p:set>
+                                      <p:cBhvr>
+                                        <p:cTn id="18" dur="1" fill="hold">
+                                          <p:stCondLst>
+                                            <p:cond delay="0"/>
+                                          </p:stCondLst>
+                                        </p:cTn>
+                                        <p:tgtEl>
+                                          <p:spTgt spid="3">
+                                            <p:txEl>
+                                              <p:pRg st="3" end="3"/>
+                                            </p:txEl>
+                                          </p:spTgt>
+                                        </p:tgtEl>
+                                        <p:attrNameLst>
+                                          <p:attrName>style.visibility</p:attrName>
+                                        </p:attrNameLst>
+                                      </p:cBhvr>
+                                      <p:to>
+                                        <p:strVal val="visible"/>
+                                      </p:to>
+                                    </p:set>
+                                  </p:childTnLst>
+                                </p:cTn>
+                              </p:par>
+                              <p:par>
+                                <p:cTn id="19" presetID="1" presetClass="entr" presetSubtype="0" fill="hold" grpId="0" nodeType="withEffect">
+                                  <p:stCondLst>
+                                    <p:cond delay="0"/>
+                                  </p:stCondLst>
+                                  <p:childTnLst>
+                                    <p:set>
+                                      <p:cBhvr>
+                                        <p:cTn id="20" dur="1" fill="hold">
+                                          <p:stCondLst>
+                                            <p:cond delay="0"/>
+                                          </p:stCondLst>
+                                        </p:cTn>
+                                        <p:tgtEl>
+                                          <p:spTgt spid="3">
+                                            <p:txEl>
+                                              <p:pRg st="4" end="4"/>
+                                            </p:txEl>
+                                          </p:spTgt>
+                                        </p:tgtEl>
+                                        <p:attrNameLst>
+                                          <p:attrName>style.visibility</p:attrName>
+                                        </p:attrNameLst>
+                                      </p:cBhvr>
+                                      <p:to>
+                                        <p:strVal val="visible"/>
+                                      </p:to>
+                                    </p:set>
+                                  </p:childTnLst>
+                                </p:cTn>
+                              </p:par>
+                              <p:par>
+                                <p:cTn id="21" presetID="1" presetClass="entr" presetSubtype="0" fill="hold" grpId="0" nodeType="withEffect">
+                                  <p:stCondLst>
+                                    <p:cond delay="0"/>
+                                  </p:stCondLst>
+                                  <p:childTnLst>
+                                    <p:set>
+                                      <p:cBhvr>
+                                        <p:cTn id="22" dur="1" fill="hold">
+                                          <p:stCondLst>
+                                            <p:cond delay="0"/>
+                                          </p:stCondLst>
+                                        </p:cTn>
+                                        <p:tgtEl>
+                                          <p:spTgt spid="3">
+                                            <p:txEl>
+                                              <p:pRg st="5" end="5"/>
+                                            </p:txEl>
+                                          </p:spTgt>
+                                        </p:tgtEl>
+                                        <p:attrNameLst>
+                                          <p:attrName>style.visibility</p:attrName>
+                                        </p:attrNameLst>
+                                      </p:cBhvr>
+                                      <p:to>
+                                        <p:strVal val="visible"/>
+                                      </p:to>
+                                    </p:set>
+                                  </p:childTnLst>
+                                </p:cTn>
+                              </p:par>
+                            </p:childTnLst>
+                          </p:cTn>
+                        </p:par>
+                      </p:childTnLst>
+                    </p:cTn>
+                  </p:par>
+                  <p:par>
+                    <p:cTn id="23" fill="hold">
+                      <p:stCondLst>
+                        <p:cond delay="indefinite"/>
+                      </p:stCondLst>
+                      <p:childTnLst>
+                        <p:par>
+                          <p:cTn id="24" fill="hold">
+                            <p:stCondLst>
+                              <p:cond delay="0"/>
+                            </p:stCondLst>
+                            <p:childTnLst>
+                              <p:par>
+                                <p:cTn id="25" presetID="1" presetClass="entr" presetSubtype="0" fill="hold" grpId="0" nodeType="clickEffect">
+                                  <p:stCondLst>
+                                    <p:cond delay="0"/>
+                                  </p:stCondLst>
+                                  <p:childTnLst>
+                                    <p:set>
+                                      <p:cBhvr>
+                                        <p:cTn id="26" dur="1" fill="hold">
+                                          <p:stCondLst>
+                                            <p:cond delay="0"/>
+                                          </p:stCondLst>
+                                        </p:cTn>
+                                        <p:tgtEl>
+                                          <p:spTgt spid="3">
+                                            <p:txEl>
+                                              <p:pRg st="6" end="6"/>
+                                            </p:txEl>
+                                          </p:spTgt>
+                                        </p:tgtEl>
+                                        <p:attrNameLst>
+                                          <p:attrName>style.visibility</p:attrName>
+                                        </p:attrNameLst>
+                                      </p:cBhvr>
+                                      <p:to>
+                                        <p:strVal val="visible"/>
+                                      </p:to>
+                                    </p:set>
+                                  </p:childTnLst>
+                                </p:cTn>
+                              </p:par>
+                            </p:childTnLst>
+                          </p:cTn>
+                        </p:par>
+                      </p:childTnLst>
+                    </p:cTn>
+                  </p:par>
+                  <p:par>
+                    <p:cTn id="27" fill="hold">
+                      <p:stCondLst>
+                        <p:cond delay="indefinite"/>
+                      </p:stCondLst>
+                      <p:childTnLst>
+                        <p:par>
+                          <p:cTn id="28" fill="hold">
+                            <p:stCondLst>
+                              <p:cond delay="0"/>
+                            </p:stCondLst>
+                            <p:childTnLst>
+                              <p:par>
+                                <p:cTn id="29" presetID="1" presetClass="entr" presetSubtype="0" fill="hold" grpId="0" nodeType="clickEffect">
+                                  <p:stCondLst>
+                                    <p:cond delay="0"/>
+                                  </p:stCondLst>
+                                  <p:childTnLst>
+                                    <p:set>
+                                      <p:cBhvr>
+                                        <p:cTn id="30" dur="1" fill="hold">
+                                          <p:stCondLst>
+                                            <p:cond delay="0"/>
+                                          </p:stCondLst>
+                                        </p:cTn>
+                                        <p:tgtEl>
+                                          <p:spTgt spid="3">
+                                            <p:txEl>
+                                              <p:pRg st="7" end="7"/>
+                                            </p:txEl>
+                                          </p:spTgt>
+                                        </p:tgtEl>
+                                        <p:attrNameLst>
+                                          <p:attrName>style.visibility</p:attrName>
+                                        </p:attrNameLst>
+                                      </p:cBhvr>
+                                      <p:to>
+                                        <p:strVal val="visible"/>
+                                      </p:to>
+                                    </p:set>
+                                  </p:childTnLst>
+                                </p:cTn>
+                              </p:par>
+                            </p:childTnLst>
+                          </p:cTn>
+                        </p:par>
+                      </p:childTnLst>
+                    </p:cTn>
+                  </p:par>
+                </p:childTnLst>
+              </p:cTn>
+              <p:prevCondLst>
+                <p:cond evt="onPrev" delay="0">
+                  <p:tgtEl>
+                    <p:sldTgt/>
+                  </p:tgtEl>
+                </p:cond>
+              </p:prevCondLst>
+              <p:nextCondLst>
+                <p:cond evt="onNext" delay="0">
+                  <p:tgtEl>
+                    <p:sldTgt/>
+                  </p:tgtEl>
+                </p:cond>
+              </p:nextCondLst>
+            </p:seq>
+          </p:childTnLst>
+        </p:cTn>
+      </p:par>
+    </p:tnLst>
+    <p:bldLst>
+      <p:bldP spid="3" grpId="0" build="p"/>
+    </p:bldLst>
+  </p:timing>
 </p:sld>
 </file>
 
@@ -3694,13 +4589,6 @@
             </a:r>
           </a:p>
           <a:p>
-            <a:pPr lvl="1"/>
-            <a:r>
-              <a:rPr lang="en-US" dirty="0"/>
-              <a:t>Still use directives in the same way</a:t>
-            </a:r>
-          </a:p>
-          <a:p>
             <a:r>
               <a:rPr lang="en-US" dirty="0"/>
               <a:t>Dependency injection is still used</a:t>
@@ -3709,13 +4597,14 @@
           <a:p>
             <a:r>
               <a:rPr lang="en-US" dirty="0"/>
-              <a:t>Directives and components… </a:t>
-            </a:r>
-            <a:r>
-              <a:rPr lang="en-US" dirty="0" err="1"/>
-              <a:t>kinda</a:t>
-            </a:r>
-            <a:endParaRPr lang="en-US" dirty="0"/>
+              <a:t>Directives and components</a:t>
+            </a:r>
+          </a:p>
+          <a:p>
+            <a:r>
+              <a:rPr lang="en-US" dirty="0"/>
+              <a:t>Overall, feels very familiar</a:t>
+            </a:r>
           </a:p>
         </p:txBody>
       </p:sp>
@@ -3729,6 +4618,266 @@
   <p:clrMapOvr>
     <a:masterClrMapping/>
   </p:clrMapOvr>
+  <p:timing>
+    <p:tnLst>
+      <p:par>
+        <p:cTn id="1" dur="indefinite" restart="never" nodeType="tmRoot">
+          <p:childTnLst>
+            <p:seq concurrent="1" nextAc="seek">
+              <p:cTn id="2" dur="indefinite" nodeType="mainSeq">
+                <p:childTnLst>
+                  <p:par>
+                    <p:cTn id="3" fill="hold">
+                      <p:stCondLst>
+                        <p:cond delay="indefinite"/>
+                      </p:stCondLst>
+                      <p:childTnLst>
+                        <p:par>
+                          <p:cTn id="4" fill="hold">
+                            <p:stCondLst>
+                              <p:cond delay="0"/>
+                            </p:stCondLst>
+                            <p:childTnLst>
+                              <p:par>
+                                <p:cTn id="5" presetID="1" presetClass="entr" presetSubtype="0" fill="hold" grpId="0" nodeType="clickEffect">
+                                  <p:stCondLst>
+                                    <p:cond delay="0"/>
+                                  </p:stCondLst>
+                                  <p:childTnLst>
+                                    <p:set>
+                                      <p:cBhvr>
+                                        <p:cTn id="6" dur="1" fill="hold">
+                                          <p:stCondLst>
+                                            <p:cond delay="0"/>
+                                          </p:stCondLst>
+                                        </p:cTn>
+                                        <p:tgtEl>
+                                          <p:spTgt spid="3">
+                                            <p:txEl>
+                                              <p:pRg st="0" end="0"/>
+                                            </p:txEl>
+                                          </p:spTgt>
+                                        </p:tgtEl>
+                                        <p:attrNameLst>
+                                          <p:attrName>style.visibility</p:attrName>
+                                        </p:attrNameLst>
+                                      </p:cBhvr>
+                                      <p:to>
+                                        <p:strVal val="visible"/>
+                                      </p:to>
+                                    </p:set>
+                                  </p:childTnLst>
+                                </p:cTn>
+                              </p:par>
+                              <p:par>
+                                <p:cTn id="7" presetID="1" presetClass="entr" presetSubtype="0" fill="hold" grpId="0" nodeType="withEffect">
+                                  <p:stCondLst>
+                                    <p:cond delay="0"/>
+                                  </p:stCondLst>
+                                  <p:childTnLst>
+                                    <p:set>
+                                      <p:cBhvr>
+                                        <p:cTn id="8" dur="1" fill="hold">
+                                          <p:stCondLst>
+                                            <p:cond delay="0"/>
+                                          </p:stCondLst>
+                                        </p:cTn>
+                                        <p:tgtEl>
+                                          <p:spTgt spid="3">
+                                            <p:txEl>
+                                              <p:pRg st="1" end="1"/>
+                                            </p:txEl>
+                                          </p:spTgt>
+                                        </p:tgtEl>
+                                        <p:attrNameLst>
+                                          <p:attrName>style.visibility</p:attrName>
+                                        </p:attrNameLst>
+                                      </p:cBhvr>
+                                      <p:to>
+                                        <p:strVal val="visible"/>
+                                      </p:to>
+                                    </p:set>
+                                  </p:childTnLst>
+                                </p:cTn>
+                              </p:par>
+                            </p:childTnLst>
+                          </p:cTn>
+                        </p:par>
+                      </p:childTnLst>
+                    </p:cTn>
+                  </p:par>
+                  <p:par>
+                    <p:cTn id="9" fill="hold">
+                      <p:stCondLst>
+                        <p:cond delay="indefinite"/>
+                      </p:stCondLst>
+                      <p:childTnLst>
+                        <p:par>
+                          <p:cTn id="10" fill="hold">
+                            <p:stCondLst>
+                              <p:cond delay="0"/>
+                            </p:stCondLst>
+                            <p:childTnLst>
+                              <p:par>
+                                <p:cTn id="11" presetID="1" presetClass="entr" presetSubtype="0" fill="hold" grpId="0" nodeType="clickEffect">
+                                  <p:stCondLst>
+                                    <p:cond delay="0"/>
+                                  </p:stCondLst>
+                                  <p:childTnLst>
+                                    <p:set>
+                                      <p:cBhvr>
+                                        <p:cTn id="12" dur="1" fill="hold">
+                                          <p:stCondLst>
+                                            <p:cond delay="0"/>
+                                          </p:stCondLst>
+                                        </p:cTn>
+                                        <p:tgtEl>
+                                          <p:spTgt spid="3">
+                                            <p:txEl>
+                                              <p:pRg st="2" end="2"/>
+                                            </p:txEl>
+                                          </p:spTgt>
+                                        </p:tgtEl>
+                                        <p:attrNameLst>
+                                          <p:attrName>style.visibility</p:attrName>
+                                        </p:attrNameLst>
+                                      </p:cBhvr>
+                                      <p:to>
+                                        <p:strVal val="visible"/>
+                                      </p:to>
+                                    </p:set>
+                                  </p:childTnLst>
+                                </p:cTn>
+                              </p:par>
+                            </p:childTnLst>
+                          </p:cTn>
+                        </p:par>
+                      </p:childTnLst>
+                    </p:cTn>
+                  </p:par>
+                  <p:par>
+                    <p:cTn id="13" fill="hold">
+                      <p:stCondLst>
+                        <p:cond delay="indefinite"/>
+                      </p:stCondLst>
+                      <p:childTnLst>
+                        <p:par>
+                          <p:cTn id="14" fill="hold">
+                            <p:stCondLst>
+                              <p:cond delay="0"/>
+                            </p:stCondLst>
+                            <p:childTnLst>
+                              <p:par>
+                                <p:cTn id="15" presetID="1" presetClass="entr" presetSubtype="0" fill="hold" grpId="0" nodeType="clickEffect">
+                                  <p:stCondLst>
+                                    <p:cond delay="0"/>
+                                  </p:stCondLst>
+                                  <p:childTnLst>
+                                    <p:set>
+                                      <p:cBhvr>
+                                        <p:cTn id="16" dur="1" fill="hold">
+                                          <p:stCondLst>
+                                            <p:cond delay="0"/>
+                                          </p:stCondLst>
+                                        </p:cTn>
+                                        <p:tgtEl>
+                                          <p:spTgt spid="3">
+                                            <p:txEl>
+                                              <p:pRg st="3" end="3"/>
+                                            </p:txEl>
+                                          </p:spTgt>
+                                        </p:tgtEl>
+                                        <p:attrNameLst>
+                                          <p:attrName>style.visibility</p:attrName>
+                                        </p:attrNameLst>
+                                      </p:cBhvr>
+                                      <p:to>
+                                        <p:strVal val="visible"/>
+                                      </p:to>
+                                    </p:set>
+                                  </p:childTnLst>
+                                </p:cTn>
+                              </p:par>
+                            </p:childTnLst>
+                          </p:cTn>
+                        </p:par>
+                      </p:childTnLst>
+                    </p:cTn>
+                  </p:par>
+                  <p:par>
+                    <p:cTn id="17" fill="hold">
+                      <p:stCondLst>
+                        <p:cond delay="indefinite"/>
+                      </p:stCondLst>
+                      <p:childTnLst>
+                        <p:par>
+                          <p:cTn id="18" fill="hold">
+                            <p:stCondLst>
+                              <p:cond delay="0"/>
+                            </p:stCondLst>
+                            <p:childTnLst>
+                              <p:par>
+                                <p:cTn id="19" presetID="1" presetClass="entr" presetSubtype="0" fill="hold" grpId="0" nodeType="clickEffect">
+                                  <p:stCondLst>
+                                    <p:cond delay="0"/>
+                                  </p:stCondLst>
+                                  <p:childTnLst>
+                                    <p:set>
+                                      <p:cBhvr>
+                                        <p:cTn id="20" dur="1" fill="hold">
+                                          <p:stCondLst>
+                                            <p:cond delay="0"/>
+                                          </p:stCondLst>
+                                        </p:cTn>
+                                        <p:tgtEl>
+                                          <p:spTgt spid="3">
+                                            <p:txEl>
+                                              <p:pRg st="4" end="4"/>
+                                            </p:txEl>
+                                          </p:spTgt>
+                                        </p:tgtEl>
+                                        <p:attrNameLst>
+                                          <p:attrName>style.visibility</p:attrName>
+                                        </p:attrNameLst>
+                                      </p:cBhvr>
+                                      <p:to>
+                                        <p:strVal val="visible"/>
+                                      </p:to>
+                                    </p:set>
+                                  </p:childTnLst>
+                                </p:cTn>
+                              </p:par>
+                            </p:childTnLst>
+                          </p:cTn>
+                        </p:par>
+                      </p:childTnLst>
+                    </p:cTn>
+                  </p:par>
+                </p:childTnLst>
+              </p:cTn>
+              <p:prevCondLst>
+                <p:cond evt="onPrev" delay="0">
+                  <p:tgtEl>
+                    <p:sldTgt/>
+                  </p:tgtEl>
+                </p:cond>
+              </p:prevCondLst>
+              <p:nextCondLst>
+                <p:cond evt="onNext" delay="0">
+                  <p:tgtEl>
+                    <p:sldTgt/>
+                  </p:tgtEl>
+                </p:cond>
+              </p:nextCondLst>
+            </p:seq>
+          </p:childTnLst>
+        </p:cTn>
+      </p:par>
+    </p:tnLst>
+    <p:bldLst>
+      <p:bldP spid="3" grpId="0" build="p"/>
+    </p:bldLst>
+  </p:timing>
 </p:sld>
 </file>
 
@@ -3826,7 +4975,7 @@
           <a:p>
             <a:r>
               <a:rPr lang="en-US" dirty="0"/>
-              <a:t>Structural directives can add/remove DOM elements</a:t>
+              <a:t>Structural directives (prefixed with *) can add/remove DOM elements</a:t>
             </a:r>
           </a:p>
         </p:txBody>
@@ -3907,93 +5056,24 @@
           </a:p>
         </p:txBody>
       </p:sp>
-      <p:sp>
-        <p:nvSpPr>
-          <p:cNvPr id="3" name="Content Placeholder 2"/>
-          <p:cNvSpPr>
-            <a:spLocks noGrp="1"/>
-          </p:cNvSpPr>
-          <p:nvPr>
-            <p:ph idx="1"/>
-          </p:nvPr>
-        </p:nvSpPr>
-        <p:spPr>
-          <a:xfrm>
-            <a:off x="838200" y="1455938"/>
-            <a:ext cx="10515600" cy="4721025"/>
-          </a:xfrm>
-        </p:spPr>
-        <p:txBody>
-          <a:bodyPr/>
-          <a:lstStyle/>
-          <a:p>
-            <a:r>
-              <a:rPr lang="en-US" dirty="0"/>
-              <a:t>Components are directives with a template</a:t>
-            </a:r>
-          </a:p>
-          <a:p>
-            <a:r>
-              <a:rPr lang="en-US" dirty="0"/>
-              <a:t>Angular 2 apps are built with components</a:t>
-            </a:r>
-          </a:p>
-          <a:p>
-            <a:r>
-              <a:rPr lang="en-US" dirty="0"/>
-              <a:t>In </a:t>
-            </a:r>
-            <a:r>
-              <a:rPr lang="en-US" dirty="0" err="1"/>
-              <a:t>TypeScript</a:t>
-            </a:r>
-            <a:r>
-              <a:rPr lang="en-US" dirty="0"/>
-              <a:t>, they’re just classes with the Component decorator</a:t>
-            </a:r>
-          </a:p>
-          <a:p>
-            <a:r>
-              <a:rPr lang="en-US" dirty="0"/>
-              <a:t>No more </a:t>
-            </a:r>
-            <a:r>
-              <a:rPr lang="en-US" dirty="0">
-                <a:latin typeface="Consolas" panose="020B0609020204030204" pitchFamily="49" charset="0"/>
-              </a:rPr>
-              <a:t>$scope</a:t>
-            </a:r>
-            <a:r>
-              <a:rPr lang="en-US" dirty="0"/>
-              <a:t>, no more </a:t>
-            </a:r>
-            <a:r>
-              <a:rPr lang="en-US" dirty="0">
-                <a:latin typeface="Consolas" panose="020B0609020204030204" pitchFamily="49" charset="0"/>
-              </a:rPr>
-              <a:t>controller</a:t>
-            </a:r>
-          </a:p>
-        </p:txBody>
-      </p:sp>
       <p:pic>
         <p:nvPicPr>
-          <p:cNvPr id="4" name="Picture 3"/>
+          <p:cNvPr id="5" name="Picture 4"/>
           <p:cNvPicPr>
             <a:picLocks noChangeAspect="1"/>
           </p:cNvPicPr>
           <p:nvPr/>
         </p:nvPicPr>
         <p:blipFill>
-          <a:blip r:embed="rId2"/>
+          <a:blip r:embed="rId3"/>
           <a:stretch>
             <a:fillRect/>
           </a:stretch>
         </p:blipFill>
         <p:spPr>
           <a:xfrm>
-            <a:off x="1135334" y="3704082"/>
-            <a:ext cx="7991475" cy="2266950"/>
+            <a:off x="1444431" y="1611931"/>
+            <a:ext cx="9060018" cy="4322579"/>
           </a:xfrm>
           <a:prstGeom prst="rect">
             <a:avLst/>
@@ -4047,72 +5127,39 @@
           <a:p>
             <a:r>
               <a:rPr lang="en-US" dirty="0"/>
-              <a:t>Components, cont’d</a:t>
-            </a:r>
-          </a:p>
-        </p:txBody>
-      </p:sp>
-      <p:sp>
-        <p:nvSpPr>
-          <p:cNvPr id="3" name="Content Placeholder 2"/>
-          <p:cNvSpPr>
-            <a:spLocks noGrp="1"/>
-          </p:cNvSpPr>
-          <p:nvPr>
-            <p:ph idx="1"/>
-          </p:nvPr>
-        </p:nvSpPr>
-        <p:spPr/>
-        <p:txBody>
-          <a:bodyPr/>
-          <a:lstStyle/>
-          <a:p>
-            <a:r>
-              <a:rPr lang="en-US" dirty="0"/>
-              <a:t>Component scope is much easier to understand</a:t>
-            </a:r>
-          </a:p>
-          <a:p>
-            <a:pPr lvl="1"/>
-            <a:r>
-              <a:rPr lang="en-US" dirty="0"/>
-              <a:t>No more </a:t>
-            </a:r>
-            <a:r>
-              <a:rPr lang="en-US" dirty="0" err="1"/>
-              <a:t>transclusion</a:t>
-            </a:r>
-            <a:r>
-              <a:rPr lang="en-US" dirty="0"/>
-              <a:t>, isolate scope, etc.</a:t>
-            </a:r>
-          </a:p>
-          <a:p>
-            <a:pPr lvl="1"/>
-            <a:r>
-              <a:rPr lang="en-US" dirty="0"/>
-              <a:t>Functions/properties are bound directly from component</a:t>
-            </a:r>
-          </a:p>
-          <a:p>
-            <a:r>
-              <a:rPr lang="en-US" dirty="0"/>
-              <a:t>Encapsulated</a:t>
-            </a:r>
-          </a:p>
-          <a:p>
-            <a:pPr lvl="1"/>
-            <a:r>
-              <a:rPr lang="en-US" dirty="0"/>
-              <a:t>Example: styling applied directly to component isn’t exposed out</a:t>
-            </a:r>
-          </a:p>
-        </p:txBody>
-      </p:sp>
+              <a:t>Modules</a:t>
+            </a:r>
+          </a:p>
+        </p:txBody>
+      </p:sp>
+      <p:pic>
+        <p:nvPicPr>
+          <p:cNvPr id="5" name="Picture 4"/>
+          <p:cNvPicPr>
+            <a:picLocks noChangeAspect="1"/>
+          </p:cNvPicPr>
+          <p:nvPr/>
+        </p:nvPicPr>
+        <p:blipFill>
+          <a:blip r:embed="rId3"/>
+          <a:stretch>
+            <a:fillRect/>
+          </a:stretch>
+        </p:blipFill>
+        <p:spPr>
+          <a:xfrm>
+            <a:off x="1067331" y="1516517"/>
+            <a:ext cx="6553200" cy="4819650"/>
+          </a:xfrm>
+          <a:prstGeom prst="rect">
+            <a:avLst/>
+          </a:prstGeom>
+        </p:spPr>
+      </p:pic>
     </p:spTree>
     <p:extLst>
       <p:ext uri="{BB962C8B-B14F-4D97-AF65-F5344CB8AC3E}">
-        <p14:creationId xmlns:p14="http://schemas.microsoft.com/office/powerpoint/2010/main" val="3522713915"/>
+        <p14:creationId xmlns:p14="http://schemas.microsoft.com/office/powerpoint/2010/main" val="2583636968"/>
       </p:ext>
     </p:extLst>
   </p:cSld>
@@ -4156,7 +5203,7 @@
           <a:p>
             <a:r>
               <a:rPr lang="en-US" dirty="0"/>
-              <a:t>Declaring a component</a:t>
+              <a:t>Running your app</a:t>
             </a:r>
           </a:p>
         </p:txBody>
@@ -4178,31 +5225,56 @@
           <a:p>
             <a:r>
               <a:rPr lang="en-US" dirty="0"/>
-              <a:t>Create your class</a:t>
-            </a:r>
+              <a:t>Import your root </a:t>
+            </a:r>
+            <a:r>
+              <a:rPr lang="en-US" dirty="0" err="1"/>
+              <a:t>NgModule</a:t>
+            </a:r>
+            <a:endParaRPr lang="en-US" dirty="0"/>
           </a:p>
           <a:p>
             <a:r>
               <a:rPr lang="en-US" dirty="0"/>
-              <a:t>Import the Component decorator</a:t>
-            </a:r>
-          </a:p>
-          <a:p>
-            <a:r>
-              <a:rPr lang="en-US" dirty="0"/>
-              <a:t>Add a template and </a:t>
-            </a:r>
-            <a:r>
-              <a:rPr lang="en-US"/>
-              <a:t>a selector</a:t>
-            </a:r>
-          </a:p>
-        </p:txBody>
-      </p:sp>
+              <a:t>Bootstrap it!</a:t>
+            </a:r>
+          </a:p>
+          <a:p>
+            <a:endParaRPr lang="en-US" dirty="0"/>
+          </a:p>
+          <a:p>
+            <a:endParaRPr lang="en-US" dirty="0"/>
+          </a:p>
+        </p:txBody>
+      </p:sp>
+      <p:pic>
+        <p:nvPicPr>
+          <p:cNvPr id="5" name="Picture 4"/>
+          <p:cNvPicPr>
+            <a:picLocks noChangeAspect="1"/>
+          </p:cNvPicPr>
+          <p:nvPr/>
+        </p:nvPicPr>
+        <p:blipFill>
+          <a:blip r:embed="rId2"/>
+          <a:stretch>
+            <a:fillRect/>
+          </a:stretch>
+        </p:blipFill>
+        <p:spPr>
+          <a:xfrm>
+            <a:off x="889698" y="3429000"/>
+            <a:ext cx="10412603" cy="1490472"/>
+          </a:xfrm>
+          <a:prstGeom prst="rect">
+            <a:avLst/>
+          </a:prstGeom>
+        </p:spPr>
+      </p:pic>
     </p:spTree>
     <p:extLst>
       <p:ext uri="{BB962C8B-B14F-4D97-AF65-F5344CB8AC3E}">
-        <p14:creationId xmlns:p14="http://schemas.microsoft.com/office/powerpoint/2010/main" val="2685435552"/>
+        <p14:creationId xmlns:p14="http://schemas.microsoft.com/office/powerpoint/2010/main" val="1868196456"/>
       </p:ext>
     </p:extLst>
   </p:cSld>
@@ -4505,4 +5577,299 @@
     </a:ext>
   </a:extLst>
 </a:theme>
+</file>
+
+<file path=ppt/theme/theme2.xml><?xml version="1.0" encoding="utf-8"?>
+<a:theme xmlns:a="http://schemas.openxmlformats.org/drawingml/2006/main" name="Office Theme">
+  <a:themeElements>
+    <a:clrScheme name="Office">
+      <a:dk1>
+        <a:sysClr val="windowText" lastClr="000000"/>
+      </a:dk1>
+      <a:lt1>
+        <a:sysClr val="window" lastClr="FFFFFF"/>
+      </a:lt1>
+      <a:dk2>
+        <a:srgbClr val="44546A"/>
+      </a:dk2>
+      <a:lt2>
+        <a:srgbClr val="E7E6E6"/>
+      </a:lt2>
+      <a:accent1>
+        <a:srgbClr val="5B9BD5"/>
+      </a:accent1>
+      <a:accent2>
+        <a:srgbClr val="ED7D31"/>
+      </a:accent2>
+      <a:accent3>
+        <a:srgbClr val="A5A5A5"/>
+      </a:accent3>
+      <a:accent4>
+        <a:srgbClr val="FFC000"/>
+      </a:accent4>
+      <a:accent5>
+        <a:srgbClr val="4472C4"/>
+      </a:accent5>
+      <a:accent6>
+        <a:srgbClr val="70AD47"/>
+      </a:accent6>
+      <a:hlink>
+        <a:srgbClr val="0563C1"/>
+      </a:hlink>
+      <a:folHlink>
+        <a:srgbClr val="954F72"/>
+      </a:folHlink>
+    </a:clrScheme>
+    <a:fontScheme name="Office">
+      <a:majorFont>
+        <a:latin typeface="Calibri Light" panose="020F0302020204030204"/>
+        <a:ea typeface=""/>
+        <a:cs typeface=""/>
+        <a:font script="Jpan" typeface="游ゴシック Light"/>
+        <a:font script="Hang" typeface="맑은 고딕"/>
+        <a:font script="Hans" typeface="等线 Light"/>
+        <a:font script="Hant" typeface="新細明體"/>
+        <a:font script="Arab" typeface="Times New Roman"/>
+        <a:font script="Hebr" typeface="Times New Roman"/>
+        <a:font script="Thai" typeface="Angsana New"/>
+        <a:font script="Ethi" typeface="Nyala"/>
+        <a:font script="Beng" typeface="Vrinda"/>
+        <a:font script="Gujr" typeface="Shruti"/>
+        <a:font script="Khmr" typeface="MoolBoran"/>
+        <a:font script="Knda" typeface="Tunga"/>
+        <a:font script="Guru" typeface="Raavi"/>
+        <a:font script="Cans" typeface="Euphemia"/>
+        <a:font script="Cher" typeface="Plantagenet Cherokee"/>
+        <a:font script="Yiii" typeface="Microsoft Yi Baiti"/>
+        <a:font script="Tibt" typeface="Microsoft Himalaya"/>
+        <a:font script="Thaa" typeface="MV Boli"/>
+        <a:font script="Deva" typeface="Mangal"/>
+        <a:font script="Telu" typeface="Gautami"/>
+        <a:font script="Taml" typeface="Latha"/>
+        <a:font script="Syrc" typeface="Estrangelo Edessa"/>
+        <a:font script="Orya" typeface="Kalinga"/>
+        <a:font script="Mlym" typeface="Kartika"/>
+        <a:font script="Laoo" typeface="DokChampa"/>
+        <a:font script="Sinh" typeface="Iskoola Pota"/>
+        <a:font script="Mong" typeface="Mongolian Baiti"/>
+        <a:font script="Viet" typeface="Times New Roman"/>
+        <a:font script="Uigh" typeface="Microsoft Uighur"/>
+        <a:font script="Geor" typeface="Sylfaen"/>
+        <a:font script="Armn" typeface="Arial"/>
+        <a:font script="Bugi" typeface="Leelawadee UI"/>
+        <a:font script="Bopo" typeface="Microsoft JhengHei"/>
+        <a:font script="Java" typeface="Javanese Text"/>
+        <a:font script="Lisu" typeface="Segoe UI"/>
+        <a:font script="Mymr" typeface="Myanmar Text"/>
+        <a:font script="Nkoo" typeface="Ebrima"/>
+        <a:font script="Olck" typeface="Nirmala UI"/>
+        <a:font script="Osma" typeface="Ebrima"/>
+        <a:font script="Phag" typeface="Phagspa"/>
+        <a:font script="Syrn" typeface="Estrangelo Edessa"/>
+        <a:font script="Syrj" typeface="Estrangelo Edessa"/>
+        <a:font script="Syre" typeface="Estrangelo Edessa"/>
+        <a:font script="Sora" typeface="Nirmala UI"/>
+        <a:font script="Tale" typeface="Microsoft Tai Le"/>
+        <a:font script="Talu" typeface="Microsoft New Tai Lue"/>
+        <a:font script="Tfng" typeface="Ebrima"/>
+      </a:majorFont>
+      <a:minorFont>
+        <a:latin typeface="Calibri" panose="020F0502020204030204"/>
+        <a:ea typeface=""/>
+        <a:cs typeface=""/>
+        <a:font script="Jpan" typeface="游ゴシック"/>
+        <a:font script="Hang" typeface="맑은 고딕"/>
+        <a:font script="Hans" typeface="等线"/>
+        <a:font script="Hant" typeface="新細明體"/>
+        <a:font script="Arab" typeface="Arial"/>
+        <a:font script="Hebr" typeface="Arial"/>
+        <a:font script="Thai" typeface="Cordia New"/>
+        <a:font script="Ethi" typeface="Nyala"/>
+        <a:font script="Beng" typeface="Vrinda"/>
+        <a:font script="Gujr" typeface="Shruti"/>
+        <a:font script="Khmr" typeface="DaunPenh"/>
+        <a:font script="Knda" typeface="Tunga"/>
+        <a:font script="Guru" typeface="Raavi"/>
+        <a:font script="Cans" typeface="Euphemia"/>
+        <a:font script="Cher" typeface="Plantagenet Cherokee"/>
+        <a:font script="Yiii" typeface="Microsoft Yi Baiti"/>
+        <a:font script="Tibt" typeface="Microsoft Himalaya"/>
+        <a:font script="Thaa" typeface="MV Boli"/>
+        <a:font script="Deva" typeface="Mangal"/>
+        <a:font script="Telu" typeface="Gautami"/>
+        <a:font script="Taml" typeface="Latha"/>
+        <a:font script="Syrc" typeface="Estrangelo Edessa"/>
+        <a:font script="Orya" typeface="Kalinga"/>
+        <a:font script="Mlym" typeface="Kartika"/>
+        <a:font script="Laoo" typeface="DokChampa"/>
+        <a:font script="Sinh" typeface="Iskoola Pota"/>
+        <a:font script="Mong" typeface="Mongolian Baiti"/>
+        <a:font script="Viet" typeface="Arial"/>
+        <a:font script="Uigh" typeface="Microsoft Uighur"/>
+        <a:font script="Geor" typeface="Sylfaen"/>
+        <a:font script="Armn" typeface="Arial"/>
+        <a:font script="Bugi" typeface="Leelawadee UI"/>
+        <a:font script="Bopo" typeface="Microsoft JhengHei"/>
+        <a:font script="Java" typeface="Javanese Text"/>
+        <a:font script="Lisu" typeface="Segoe UI"/>
+        <a:font script="Mymr" typeface="Myanmar Text"/>
+        <a:font script="Nkoo" typeface="Ebrima"/>
+        <a:font script="Olck" typeface="Nirmala UI"/>
+        <a:font script="Osma" typeface="Ebrima"/>
+        <a:font script="Phag" typeface="Phagspa"/>
+        <a:font script="Syrn" typeface="Estrangelo Edessa"/>
+        <a:font script="Syrj" typeface="Estrangelo Edessa"/>
+        <a:font script="Syre" typeface="Estrangelo Edessa"/>
+        <a:font script="Sora" typeface="Nirmala UI"/>
+        <a:font script="Tale" typeface="Microsoft Tai Le"/>
+        <a:font script="Talu" typeface="Microsoft New Tai Lue"/>
+        <a:font script="Tfng" typeface="Ebrima"/>
+      </a:minorFont>
+    </a:fontScheme>
+    <a:fmtScheme name="Office">
+      <a:fillStyleLst>
+        <a:solidFill>
+          <a:schemeClr val="phClr"/>
+        </a:solidFill>
+        <a:gradFill rotWithShape="1">
+          <a:gsLst>
+            <a:gs pos="0">
+              <a:schemeClr val="phClr">
+                <a:lumMod val="110000"/>
+                <a:satMod val="105000"/>
+                <a:tint val="67000"/>
+              </a:schemeClr>
+            </a:gs>
+            <a:gs pos="50000">
+              <a:schemeClr val="phClr">
+                <a:lumMod val="105000"/>
+                <a:satMod val="103000"/>
+                <a:tint val="73000"/>
+              </a:schemeClr>
+            </a:gs>
+            <a:gs pos="100000">
+              <a:schemeClr val="phClr">
+                <a:lumMod val="105000"/>
+                <a:satMod val="109000"/>
+                <a:tint val="81000"/>
+              </a:schemeClr>
+            </a:gs>
+          </a:gsLst>
+          <a:lin ang="5400000" scaled="0"/>
+        </a:gradFill>
+        <a:gradFill rotWithShape="1">
+          <a:gsLst>
+            <a:gs pos="0">
+              <a:schemeClr val="phClr">
+                <a:satMod val="103000"/>
+                <a:lumMod val="102000"/>
+                <a:tint val="94000"/>
+              </a:schemeClr>
+            </a:gs>
+            <a:gs pos="50000">
+              <a:schemeClr val="phClr">
+                <a:satMod val="110000"/>
+                <a:lumMod val="100000"/>
+                <a:shade val="100000"/>
+              </a:schemeClr>
+            </a:gs>
+            <a:gs pos="100000">
+              <a:schemeClr val="phClr">
+                <a:lumMod val="99000"/>
+                <a:satMod val="120000"/>
+                <a:shade val="78000"/>
+              </a:schemeClr>
+            </a:gs>
+          </a:gsLst>
+          <a:lin ang="5400000" scaled="0"/>
+        </a:gradFill>
+      </a:fillStyleLst>
+      <a:lnStyleLst>
+        <a:ln w="6350" cap="flat" cmpd="sng" algn="ctr">
+          <a:solidFill>
+            <a:schemeClr val="phClr"/>
+          </a:solidFill>
+          <a:prstDash val="solid"/>
+          <a:miter lim="800000"/>
+        </a:ln>
+        <a:ln w="12700" cap="flat" cmpd="sng" algn="ctr">
+          <a:solidFill>
+            <a:schemeClr val="phClr"/>
+          </a:solidFill>
+          <a:prstDash val="solid"/>
+          <a:miter lim="800000"/>
+        </a:ln>
+        <a:ln w="19050" cap="flat" cmpd="sng" algn="ctr">
+          <a:solidFill>
+            <a:schemeClr val="phClr"/>
+          </a:solidFill>
+          <a:prstDash val="solid"/>
+          <a:miter lim="800000"/>
+        </a:ln>
+      </a:lnStyleLst>
+      <a:effectStyleLst>
+        <a:effectStyle>
+          <a:effectLst/>
+        </a:effectStyle>
+        <a:effectStyle>
+          <a:effectLst/>
+        </a:effectStyle>
+        <a:effectStyle>
+          <a:effectLst>
+            <a:outerShdw blurRad="57150" dist="19050" dir="5400000" algn="ctr" rotWithShape="0">
+              <a:srgbClr val="000000">
+                <a:alpha val="63000"/>
+              </a:srgbClr>
+            </a:outerShdw>
+          </a:effectLst>
+        </a:effectStyle>
+      </a:effectStyleLst>
+      <a:bgFillStyleLst>
+        <a:solidFill>
+          <a:schemeClr val="phClr"/>
+        </a:solidFill>
+        <a:solidFill>
+          <a:schemeClr val="phClr">
+            <a:tint val="95000"/>
+            <a:satMod val="170000"/>
+          </a:schemeClr>
+        </a:solidFill>
+        <a:gradFill rotWithShape="1">
+          <a:gsLst>
+            <a:gs pos="0">
+              <a:schemeClr val="phClr">
+                <a:tint val="93000"/>
+                <a:satMod val="150000"/>
+                <a:shade val="98000"/>
+                <a:lumMod val="102000"/>
+              </a:schemeClr>
+            </a:gs>
+            <a:gs pos="50000">
+              <a:schemeClr val="phClr">
+                <a:tint val="98000"/>
+                <a:satMod val="130000"/>
+                <a:shade val="90000"/>
+                <a:lumMod val="103000"/>
+              </a:schemeClr>
+            </a:gs>
+            <a:gs pos="100000">
+              <a:schemeClr val="phClr">
+                <a:shade val="63000"/>
+                <a:satMod val="120000"/>
+              </a:schemeClr>
+            </a:gs>
+          </a:gsLst>
+          <a:lin ang="5400000" scaled="0"/>
+        </a:gradFill>
+      </a:bgFillStyleLst>
+    </a:fmtScheme>
+  </a:themeElements>
+  <a:objectDefaults/>
+  <a:extraClrSchemeLst/>
+  <a:extLst>
+    <a:ext uri="{05A4C25C-085E-4340-85A3-A5531E510DB2}">
+      <thm15:themeFamily xmlns:thm15="http://schemas.microsoft.com/office/thememl/2012/main" name="Office Theme" id="{62F939B6-93AF-4DB8-9C6B-D6C7DFDC589F}" vid="{4A3C46E8-61CC-4603-A589-7422A47A8E4A}"/>
+    </a:ext>
+  </a:extLst>
+</a:theme>
 </file>